--- a/Cafe Rewards Offers Dashboard2.pptx
+++ b/Cafe Rewards Offers Dashboard2.pptx
@@ -114,6 +114,11 @@
       </a:defRPr>
     </a:lvl9pPr>
   </p:defaultTextStyle>
+  <p:extLst>
+    <p:ext uri="{EFAFB233-063F-42B5-8137-9DF3F51BA10A}">
+      <p15:sldGuideLst xmlns:p15="http://schemas.microsoft.com/office/powerpoint/2012/main"/>
+    </p:ext>
+  </p:extLst>
 </p:presentation>
 </file>
 
@@ -305,7 +310,7 @@
           <a:p>
             <a:fld id="{CEE17AE8-A86C-4B89-B1AA-BED4644B0B29}" type="datetimeFigureOut">
               <a:rPr lang="en-NG" smtClean="0"/>
-              <a:t>20/07/2025</a:t>
+              <a:t>21/07/2025</a:t>
             </a:fld>
             <a:endParaRPr lang="en-NG"/>
           </a:p>
@@ -643,7 +648,7 @@
           <a:p>
             <a:fld id="{CEE17AE8-A86C-4B89-B1AA-BED4644B0B29}" type="datetimeFigureOut">
               <a:rPr lang="en-NG" smtClean="0"/>
-              <a:t>20/07/2025</a:t>
+              <a:t>21/07/2025</a:t>
             </a:fld>
             <a:endParaRPr lang="en-NG"/>
           </a:p>
@@ -1044,7 +1049,7 @@
           <a:p>
             <a:fld id="{CEE17AE8-A86C-4B89-B1AA-BED4644B0B29}" type="datetimeFigureOut">
               <a:rPr lang="en-NG" smtClean="0"/>
-              <a:t>20/07/2025</a:t>
+              <a:t>21/07/2025</a:t>
             </a:fld>
             <a:endParaRPr lang="en-NG"/>
           </a:p>
@@ -1380,7 +1385,7 @@
           <a:p>
             <a:fld id="{CEE17AE8-A86C-4B89-B1AA-BED4644B0B29}" type="datetimeFigureOut">
               <a:rPr lang="en-NG" smtClean="0"/>
-              <a:t>20/07/2025</a:t>
+              <a:t>21/07/2025</a:t>
             </a:fld>
             <a:endParaRPr lang="en-NG"/>
           </a:p>
@@ -1700,7 +1705,7 @@
           <a:p>
             <a:fld id="{CEE17AE8-A86C-4B89-B1AA-BED4644B0B29}" type="datetimeFigureOut">
               <a:rPr lang="en-NG" smtClean="0"/>
-              <a:t>20/07/2025</a:t>
+              <a:t>21/07/2025</a:t>
             </a:fld>
             <a:endParaRPr lang="en-NG"/>
           </a:p>
@@ -2096,7 +2101,7 @@
           <a:p>
             <a:fld id="{CEE17AE8-A86C-4B89-B1AA-BED4644B0B29}" type="datetimeFigureOut">
               <a:rPr lang="en-NG" smtClean="0"/>
-              <a:t>20/07/2025</a:t>
+              <a:t>21/07/2025</a:t>
             </a:fld>
             <a:endParaRPr lang="en-NG"/>
           </a:p>
@@ -2353,7 +2358,7 @@
           <a:p>
             <a:fld id="{CEE17AE8-A86C-4B89-B1AA-BED4644B0B29}" type="datetimeFigureOut">
               <a:rPr lang="en-NG" smtClean="0"/>
-              <a:t>20/07/2025</a:t>
+              <a:t>21/07/2025</a:t>
             </a:fld>
             <a:endParaRPr lang="en-NG"/>
           </a:p>
@@ -2615,7 +2620,7 @@
           <a:p>
             <a:fld id="{CEE17AE8-A86C-4B89-B1AA-BED4644B0B29}" type="datetimeFigureOut">
               <a:rPr lang="en-NG" smtClean="0"/>
-              <a:t>20/07/2025</a:t>
+              <a:t>21/07/2025</a:t>
             </a:fld>
             <a:endParaRPr lang="en-NG"/>
           </a:p>
@@ -2877,7 +2882,7 @@
           <a:p>
             <a:fld id="{CEE17AE8-A86C-4B89-B1AA-BED4644B0B29}" type="datetimeFigureOut">
               <a:rPr lang="en-NG" smtClean="0"/>
-              <a:t>20/07/2025</a:t>
+              <a:t>21/07/2025</a:t>
             </a:fld>
             <a:endParaRPr lang="en-NG"/>
           </a:p>
@@ -3206,7 +3211,7 @@
           <a:p>
             <a:fld id="{CEE17AE8-A86C-4B89-B1AA-BED4644B0B29}" type="datetimeFigureOut">
               <a:rPr lang="en-NG" smtClean="0"/>
-              <a:t>20/07/2025</a:t>
+              <a:t>21/07/2025</a:t>
             </a:fld>
             <a:endParaRPr lang="en-NG"/>
           </a:p>
@@ -3529,7 +3534,7 @@
           <a:p>
             <a:fld id="{CEE17AE8-A86C-4B89-B1AA-BED4644B0B29}" type="datetimeFigureOut">
               <a:rPr lang="en-NG" smtClean="0"/>
-              <a:t>20/07/2025</a:t>
+              <a:t>21/07/2025</a:t>
             </a:fld>
             <a:endParaRPr lang="en-NG"/>
           </a:p>
@@ -3986,7 +3991,7 @@
           <a:p>
             <a:fld id="{CEE17AE8-A86C-4B89-B1AA-BED4644B0B29}" type="datetimeFigureOut">
               <a:rPr lang="en-NG" smtClean="0"/>
-              <a:t>20/07/2025</a:t>
+              <a:t>21/07/2025</a:t>
             </a:fld>
             <a:endParaRPr lang="en-NG"/>
           </a:p>
@@ -4191,7 +4196,7 @@
           <a:p>
             <a:fld id="{CEE17AE8-A86C-4B89-B1AA-BED4644B0B29}" type="datetimeFigureOut">
               <a:rPr lang="en-NG" smtClean="0"/>
-              <a:t>20/07/2025</a:t>
+              <a:t>21/07/2025</a:t>
             </a:fld>
             <a:endParaRPr lang="en-NG"/>
           </a:p>
@@ -4368,7 +4373,7 @@
           <a:p>
             <a:fld id="{CEE17AE8-A86C-4B89-B1AA-BED4644B0B29}" type="datetimeFigureOut">
               <a:rPr lang="en-NG" smtClean="0"/>
-              <a:t>20/07/2025</a:t>
+              <a:t>21/07/2025</a:t>
             </a:fld>
             <a:endParaRPr lang="en-NG"/>
           </a:p>
@@ -4701,7 +4706,7 @@
           <a:p>
             <a:fld id="{CEE17AE8-A86C-4B89-B1AA-BED4644B0B29}" type="datetimeFigureOut">
               <a:rPr lang="en-NG" smtClean="0"/>
-              <a:t>20/07/2025</a:t>
+              <a:t>21/07/2025</a:t>
             </a:fld>
             <a:endParaRPr lang="en-NG"/>
           </a:p>
@@ -5046,7 +5051,7 @@
           <a:p>
             <a:fld id="{CEE17AE8-A86C-4B89-B1AA-BED4644B0B29}" type="datetimeFigureOut">
               <a:rPr lang="en-NG" smtClean="0"/>
-              <a:t>20/07/2025</a:t>
+              <a:t>21/07/2025</a:t>
             </a:fld>
             <a:endParaRPr lang="en-NG"/>
           </a:p>
@@ -7163,7 +7168,7 @@
           <a:p>
             <a:fld id="{CEE17AE8-A86C-4B89-B1AA-BED4644B0B29}" type="datetimeFigureOut">
               <a:rPr lang="en-NG" smtClean="0"/>
-              <a:t>20/07/2025</a:t>
+              <a:t>21/07/2025</a:t>
             </a:fld>
             <a:endParaRPr lang="en-NG"/>
           </a:p>
@@ -8895,7 +8900,7 @@
         </p:spPr>
         <p:txBody>
           <a:bodyPr>
-            <a:normAutofit/>
+            <a:normAutofit fontScale="92500"/>
           </a:bodyPr>
           <a:lstStyle/>
           <a:p>
@@ -8915,8 +8920,13 @@
           <a:p>
             <a:r>
               <a:rPr sz="2400" dirty="0"/>
-              <a:t>Discounts: Mixed results</a:t>
-            </a:r>
+              <a:t>Discounts: </a:t>
+            </a:r>
+            <a:r>
+              <a:rPr lang="en-US" sz="2400" dirty="0"/>
+              <a:t>Highest completion rate, implying that customers preferred discounted prices to a "buy one get one free" offer.</a:t>
+            </a:r>
+            <a:endParaRPr sz="2400" dirty="0"/>
           </a:p>
           <a:p>
             <a:r>
